--- a/Notes/outline of ideas.pptx
+++ b/Notes/outline of ideas.pptx
@@ -161,7 +161,7 @@
           </a:lstStyle>
           <a:p>
             <a:r>
-              <a:rPr lang="en-US" smtClean="0"/>
+              <a:rPr lang="en-US"/>
               <a:t>Click to edit Master title style</a:t>
             </a:r>
             <a:endParaRPr lang="en-GB"/>
@@ -226,7 +226,7 @@
           </a:lstStyle>
           <a:p>
             <a:r>
-              <a:rPr lang="en-US" smtClean="0"/>
+              <a:rPr lang="en-US"/>
               <a:t>Click to edit Master subtitle style</a:t>
             </a:r>
             <a:endParaRPr lang="en-GB"/>
@@ -250,7 +250,7 @@
           <a:p>
             <a:fld id="{BB86F1C3-4E0D-4EA1-AC40-508BD1BE2BEF}" type="datetimeFigureOut">
               <a:rPr lang="en-GB" smtClean="0"/>
-              <a:t>08/10/2020</a:t>
+              <a:t>08/04/2021</a:t>
             </a:fld>
             <a:endParaRPr lang="en-GB"/>
           </a:p>
@@ -344,7 +344,7 @@
           <a:lstStyle/>
           <a:p>
             <a:r>
-              <a:rPr lang="en-US" smtClean="0"/>
+              <a:rPr lang="en-US"/>
               <a:t>Click to edit Master title style</a:t>
             </a:r>
             <a:endParaRPr lang="en-GB"/>
@@ -368,35 +368,35 @@
           <a:p>
             <a:pPr lvl="0"/>
             <a:r>
-              <a:rPr lang="en-US" smtClean="0"/>
+              <a:rPr lang="en-US"/>
               <a:t>Edit Master text styles</a:t>
             </a:r>
           </a:p>
           <a:p>
             <a:pPr lvl="1"/>
             <a:r>
-              <a:rPr lang="en-US" smtClean="0"/>
+              <a:rPr lang="en-US"/>
               <a:t>Second level</a:t>
             </a:r>
           </a:p>
           <a:p>
             <a:pPr lvl="2"/>
             <a:r>
-              <a:rPr lang="en-US" smtClean="0"/>
+              <a:rPr lang="en-US"/>
               <a:t>Third level</a:t>
             </a:r>
           </a:p>
           <a:p>
             <a:pPr lvl="3"/>
             <a:r>
-              <a:rPr lang="en-US" smtClean="0"/>
+              <a:rPr lang="en-US"/>
               <a:t>Fourth level</a:t>
             </a:r>
           </a:p>
           <a:p>
             <a:pPr lvl="4"/>
             <a:r>
-              <a:rPr lang="en-US" smtClean="0"/>
+              <a:rPr lang="en-US"/>
               <a:t>Fifth level</a:t>
             </a:r>
             <a:endParaRPr lang="en-GB"/>
@@ -420,7 +420,7 @@
           <a:p>
             <a:fld id="{BB86F1C3-4E0D-4EA1-AC40-508BD1BE2BEF}" type="datetimeFigureOut">
               <a:rPr lang="en-GB" smtClean="0"/>
-              <a:t>08/10/2020</a:t>
+              <a:t>08/04/2021</a:t>
             </a:fld>
             <a:endParaRPr lang="en-GB"/>
           </a:p>
@@ -519,7 +519,7 @@
           <a:lstStyle/>
           <a:p>
             <a:r>
-              <a:rPr lang="en-US" smtClean="0"/>
+              <a:rPr lang="en-US"/>
               <a:t>Click to edit Master title style</a:t>
             </a:r>
             <a:endParaRPr lang="en-GB"/>
@@ -548,35 +548,35 @@
           <a:p>
             <a:pPr lvl="0"/>
             <a:r>
-              <a:rPr lang="en-US" smtClean="0"/>
+              <a:rPr lang="en-US"/>
               <a:t>Edit Master text styles</a:t>
             </a:r>
           </a:p>
           <a:p>
             <a:pPr lvl="1"/>
             <a:r>
-              <a:rPr lang="en-US" smtClean="0"/>
+              <a:rPr lang="en-US"/>
               <a:t>Second level</a:t>
             </a:r>
           </a:p>
           <a:p>
             <a:pPr lvl="2"/>
             <a:r>
-              <a:rPr lang="en-US" smtClean="0"/>
+              <a:rPr lang="en-US"/>
               <a:t>Third level</a:t>
             </a:r>
           </a:p>
           <a:p>
             <a:pPr lvl="3"/>
             <a:r>
-              <a:rPr lang="en-US" smtClean="0"/>
+              <a:rPr lang="en-US"/>
               <a:t>Fourth level</a:t>
             </a:r>
           </a:p>
           <a:p>
             <a:pPr lvl="4"/>
             <a:r>
-              <a:rPr lang="en-US" smtClean="0"/>
+              <a:rPr lang="en-US"/>
               <a:t>Fifth level</a:t>
             </a:r>
             <a:endParaRPr lang="en-GB"/>
@@ -600,7 +600,7 @@
           <a:p>
             <a:fld id="{BB86F1C3-4E0D-4EA1-AC40-508BD1BE2BEF}" type="datetimeFigureOut">
               <a:rPr lang="en-GB" smtClean="0"/>
-              <a:t>08/10/2020</a:t>
+              <a:t>08/04/2021</a:t>
             </a:fld>
             <a:endParaRPr lang="en-GB"/>
           </a:p>
@@ -694,7 +694,7 @@
           <a:lstStyle/>
           <a:p>
             <a:r>
-              <a:rPr lang="en-US" smtClean="0"/>
+              <a:rPr lang="en-US"/>
               <a:t>Click to edit Master title style</a:t>
             </a:r>
             <a:endParaRPr lang="en-GB"/>
@@ -718,35 +718,35 @@
           <a:p>
             <a:pPr lvl="0"/>
             <a:r>
-              <a:rPr lang="en-US" smtClean="0"/>
+              <a:rPr lang="en-US"/>
               <a:t>Edit Master text styles</a:t>
             </a:r>
           </a:p>
           <a:p>
             <a:pPr lvl="1"/>
             <a:r>
-              <a:rPr lang="en-US" smtClean="0"/>
+              <a:rPr lang="en-US"/>
               <a:t>Second level</a:t>
             </a:r>
           </a:p>
           <a:p>
             <a:pPr lvl="2"/>
             <a:r>
-              <a:rPr lang="en-US" smtClean="0"/>
+              <a:rPr lang="en-US"/>
               <a:t>Third level</a:t>
             </a:r>
           </a:p>
           <a:p>
             <a:pPr lvl="3"/>
             <a:r>
-              <a:rPr lang="en-US" smtClean="0"/>
+              <a:rPr lang="en-US"/>
               <a:t>Fourth level</a:t>
             </a:r>
           </a:p>
           <a:p>
             <a:pPr lvl="4"/>
             <a:r>
-              <a:rPr lang="en-US" smtClean="0"/>
+              <a:rPr lang="en-US"/>
               <a:t>Fifth level</a:t>
             </a:r>
             <a:endParaRPr lang="en-GB"/>
@@ -770,7 +770,7 @@
           <a:p>
             <a:fld id="{BB86F1C3-4E0D-4EA1-AC40-508BD1BE2BEF}" type="datetimeFigureOut">
               <a:rPr lang="en-GB" smtClean="0"/>
-              <a:t>08/10/2020</a:t>
+              <a:t>08/04/2021</a:t>
             </a:fld>
             <a:endParaRPr lang="en-GB"/>
           </a:p>
@@ -873,7 +873,7 @@
           </a:lstStyle>
           <a:p>
             <a:r>
-              <a:rPr lang="en-US" smtClean="0"/>
+              <a:rPr lang="en-US"/>
               <a:t>Click to edit Master title style</a:t>
             </a:r>
             <a:endParaRPr lang="en-GB"/>
@@ -993,7 +993,7 @@
           <a:p>
             <a:pPr lvl="0"/>
             <a:r>
-              <a:rPr lang="en-US" smtClean="0"/>
+              <a:rPr lang="en-US"/>
               <a:t>Edit Master text styles</a:t>
             </a:r>
           </a:p>
@@ -1016,7 +1016,7 @@
           <a:p>
             <a:fld id="{BB86F1C3-4E0D-4EA1-AC40-508BD1BE2BEF}" type="datetimeFigureOut">
               <a:rPr lang="en-GB" smtClean="0"/>
-              <a:t>08/10/2020</a:t>
+              <a:t>08/04/2021</a:t>
             </a:fld>
             <a:endParaRPr lang="en-GB"/>
           </a:p>
@@ -1110,7 +1110,7 @@
           <a:lstStyle/>
           <a:p>
             <a:r>
-              <a:rPr lang="en-US" smtClean="0"/>
+              <a:rPr lang="en-US"/>
               <a:t>Click to edit Master title style</a:t>
             </a:r>
             <a:endParaRPr lang="en-GB"/>
@@ -1139,35 +1139,35 @@
           <a:p>
             <a:pPr lvl="0"/>
             <a:r>
-              <a:rPr lang="en-US" smtClean="0"/>
+              <a:rPr lang="en-US"/>
               <a:t>Edit Master text styles</a:t>
             </a:r>
           </a:p>
           <a:p>
             <a:pPr lvl="1"/>
             <a:r>
-              <a:rPr lang="en-US" smtClean="0"/>
+              <a:rPr lang="en-US"/>
               <a:t>Second level</a:t>
             </a:r>
           </a:p>
           <a:p>
             <a:pPr lvl="2"/>
             <a:r>
-              <a:rPr lang="en-US" smtClean="0"/>
+              <a:rPr lang="en-US"/>
               <a:t>Third level</a:t>
             </a:r>
           </a:p>
           <a:p>
             <a:pPr lvl="3"/>
             <a:r>
-              <a:rPr lang="en-US" smtClean="0"/>
+              <a:rPr lang="en-US"/>
               <a:t>Fourth level</a:t>
             </a:r>
           </a:p>
           <a:p>
             <a:pPr lvl="4"/>
             <a:r>
-              <a:rPr lang="en-US" smtClean="0"/>
+              <a:rPr lang="en-US"/>
               <a:t>Fifth level</a:t>
             </a:r>
             <a:endParaRPr lang="en-GB"/>
@@ -1196,35 +1196,35 @@
           <a:p>
             <a:pPr lvl="0"/>
             <a:r>
-              <a:rPr lang="en-US" smtClean="0"/>
+              <a:rPr lang="en-US"/>
               <a:t>Edit Master text styles</a:t>
             </a:r>
           </a:p>
           <a:p>
             <a:pPr lvl="1"/>
             <a:r>
-              <a:rPr lang="en-US" smtClean="0"/>
+              <a:rPr lang="en-US"/>
               <a:t>Second level</a:t>
             </a:r>
           </a:p>
           <a:p>
             <a:pPr lvl="2"/>
             <a:r>
-              <a:rPr lang="en-US" smtClean="0"/>
+              <a:rPr lang="en-US"/>
               <a:t>Third level</a:t>
             </a:r>
           </a:p>
           <a:p>
             <a:pPr lvl="3"/>
             <a:r>
-              <a:rPr lang="en-US" smtClean="0"/>
+              <a:rPr lang="en-US"/>
               <a:t>Fourth level</a:t>
             </a:r>
           </a:p>
           <a:p>
             <a:pPr lvl="4"/>
             <a:r>
-              <a:rPr lang="en-US" smtClean="0"/>
+              <a:rPr lang="en-US"/>
               <a:t>Fifth level</a:t>
             </a:r>
             <a:endParaRPr lang="en-GB"/>
@@ -1248,7 +1248,7 @@
           <a:p>
             <a:fld id="{BB86F1C3-4E0D-4EA1-AC40-508BD1BE2BEF}" type="datetimeFigureOut">
               <a:rPr lang="en-GB" smtClean="0"/>
-              <a:t>08/10/2020</a:t>
+              <a:t>08/04/2021</a:t>
             </a:fld>
             <a:endParaRPr lang="en-GB"/>
           </a:p>
@@ -1347,7 +1347,7 @@
           <a:lstStyle/>
           <a:p>
             <a:r>
-              <a:rPr lang="en-US" smtClean="0"/>
+              <a:rPr lang="en-US"/>
               <a:t>Click to edit Master title style</a:t>
             </a:r>
             <a:endParaRPr lang="en-GB"/>
@@ -1413,7 +1413,7 @@
           <a:p>
             <a:pPr lvl="0"/>
             <a:r>
-              <a:rPr lang="en-US" smtClean="0"/>
+              <a:rPr lang="en-US"/>
               <a:t>Edit Master text styles</a:t>
             </a:r>
           </a:p>
@@ -1441,35 +1441,35 @@
           <a:p>
             <a:pPr lvl="0"/>
             <a:r>
-              <a:rPr lang="en-US" smtClean="0"/>
+              <a:rPr lang="en-US"/>
               <a:t>Edit Master text styles</a:t>
             </a:r>
           </a:p>
           <a:p>
             <a:pPr lvl="1"/>
             <a:r>
-              <a:rPr lang="en-US" smtClean="0"/>
+              <a:rPr lang="en-US"/>
               <a:t>Second level</a:t>
             </a:r>
           </a:p>
           <a:p>
             <a:pPr lvl="2"/>
             <a:r>
-              <a:rPr lang="en-US" smtClean="0"/>
+              <a:rPr lang="en-US"/>
               <a:t>Third level</a:t>
             </a:r>
           </a:p>
           <a:p>
             <a:pPr lvl="3"/>
             <a:r>
-              <a:rPr lang="en-US" smtClean="0"/>
+              <a:rPr lang="en-US"/>
               <a:t>Fourth level</a:t>
             </a:r>
           </a:p>
           <a:p>
             <a:pPr lvl="4"/>
             <a:r>
-              <a:rPr lang="en-US" smtClean="0"/>
+              <a:rPr lang="en-US"/>
               <a:t>Fifth level</a:t>
             </a:r>
             <a:endParaRPr lang="en-GB"/>
@@ -1535,7 +1535,7 @@
           <a:p>
             <a:pPr lvl="0"/>
             <a:r>
-              <a:rPr lang="en-US" smtClean="0"/>
+              <a:rPr lang="en-US"/>
               <a:t>Edit Master text styles</a:t>
             </a:r>
           </a:p>
@@ -1563,35 +1563,35 @@
           <a:p>
             <a:pPr lvl="0"/>
             <a:r>
-              <a:rPr lang="en-US" smtClean="0"/>
+              <a:rPr lang="en-US"/>
               <a:t>Edit Master text styles</a:t>
             </a:r>
           </a:p>
           <a:p>
             <a:pPr lvl="1"/>
             <a:r>
-              <a:rPr lang="en-US" smtClean="0"/>
+              <a:rPr lang="en-US"/>
               <a:t>Second level</a:t>
             </a:r>
           </a:p>
           <a:p>
             <a:pPr lvl="2"/>
             <a:r>
-              <a:rPr lang="en-US" smtClean="0"/>
+              <a:rPr lang="en-US"/>
               <a:t>Third level</a:t>
             </a:r>
           </a:p>
           <a:p>
             <a:pPr lvl="3"/>
             <a:r>
-              <a:rPr lang="en-US" smtClean="0"/>
+              <a:rPr lang="en-US"/>
               <a:t>Fourth level</a:t>
             </a:r>
           </a:p>
           <a:p>
             <a:pPr lvl="4"/>
             <a:r>
-              <a:rPr lang="en-US" smtClean="0"/>
+              <a:rPr lang="en-US"/>
               <a:t>Fifth level</a:t>
             </a:r>
             <a:endParaRPr lang="en-GB"/>
@@ -1615,7 +1615,7 @@
           <a:p>
             <a:fld id="{BB86F1C3-4E0D-4EA1-AC40-508BD1BE2BEF}" type="datetimeFigureOut">
               <a:rPr lang="en-GB" smtClean="0"/>
-              <a:t>08/10/2020</a:t>
+              <a:t>08/04/2021</a:t>
             </a:fld>
             <a:endParaRPr lang="en-GB"/>
           </a:p>
@@ -1709,7 +1709,7 @@
           <a:lstStyle/>
           <a:p>
             <a:r>
-              <a:rPr lang="en-US" smtClean="0"/>
+              <a:rPr lang="en-US"/>
               <a:t>Click to edit Master title style</a:t>
             </a:r>
             <a:endParaRPr lang="en-GB"/>
@@ -1733,7 +1733,7 @@
           <a:p>
             <a:fld id="{BB86F1C3-4E0D-4EA1-AC40-508BD1BE2BEF}" type="datetimeFigureOut">
               <a:rPr lang="en-GB" smtClean="0"/>
-              <a:t>08/10/2020</a:t>
+              <a:t>08/04/2021</a:t>
             </a:fld>
             <a:endParaRPr lang="en-GB"/>
           </a:p>
@@ -1828,7 +1828,7 @@
           <a:p>
             <a:fld id="{BB86F1C3-4E0D-4EA1-AC40-508BD1BE2BEF}" type="datetimeFigureOut">
               <a:rPr lang="en-GB" smtClean="0"/>
-              <a:t>08/10/2020</a:t>
+              <a:t>08/04/2021</a:t>
             </a:fld>
             <a:endParaRPr lang="en-GB"/>
           </a:p>
@@ -1931,7 +1931,7 @@
           </a:lstStyle>
           <a:p>
             <a:r>
-              <a:rPr lang="en-US" smtClean="0"/>
+              <a:rPr lang="en-US"/>
               <a:t>Click to edit Master title style</a:t>
             </a:r>
             <a:endParaRPr lang="en-GB"/>
@@ -1988,35 +1988,35 @@
           <a:p>
             <a:pPr lvl="0"/>
             <a:r>
-              <a:rPr lang="en-US" smtClean="0"/>
+              <a:rPr lang="en-US"/>
               <a:t>Edit Master text styles</a:t>
             </a:r>
           </a:p>
           <a:p>
             <a:pPr lvl="1"/>
             <a:r>
-              <a:rPr lang="en-US" smtClean="0"/>
+              <a:rPr lang="en-US"/>
               <a:t>Second level</a:t>
             </a:r>
           </a:p>
           <a:p>
             <a:pPr lvl="2"/>
             <a:r>
-              <a:rPr lang="en-US" smtClean="0"/>
+              <a:rPr lang="en-US"/>
               <a:t>Third level</a:t>
             </a:r>
           </a:p>
           <a:p>
             <a:pPr lvl="3"/>
             <a:r>
-              <a:rPr lang="en-US" smtClean="0"/>
+              <a:rPr lang="en-US"/>
               <a:t>Fourth level</a:t>
             </a:r>
           </a:p>
           <a:p>
             <a:pPr lvl="4"/>
             <a:r>
-              <a:rPr lang="en-US" smtClean="0"/>
+              <a:rPr lang="en-US"/>
               <a:t>Fifth level</a:t>
             </a:r>
             <a:endParaRPr lang="en-GB"/>
@@ -2082,7 +2082,7 @@
           <a:p>
             <a:pPr lvl="0"/>
             <a:r>
-              <a:rPr lang="en-US" smtClean="0"/>
+              <a:rPr lang="en-US"/>
               <a:t>Edit Master text styles</a:t>
             </a:r>
           </a:p>
@@ -2105,7 +2105,7 @@
           <a:p>
             <a:fld id="{BB86F1C3-4E0D-4EA1-AC40-508BD1BE2BEF}" type="datetimeFigureOut">
               <a:rPr lang="en-GB" smtClean="0"/>
-              <a:t>08/10/2020</a:t>
+              <a:t>08/04/2021</a:t>
             </a:fld>
             <a:endParaRPr lang="en-GB"/>
           </a:p>
@@ -2208,7 +2208,7 @@
           </a:lstStyle>
           <a:p>
             <a:r>
-              <a:rPr lang="en-US" smtClean="0"/>
+              <a:rPr lang="en-US"/>
               <a:t>Click to edit Master title style</a:t>
             </a:r>
             <a:endParaRPr lang="en-GB"/>
@@ -2335,7 +2335,7 @@
           <a:p>
             <a:pPr lvl="0"/>
             <a:r>
-              <a:rPr lang="en-US" smtClean="0"/>
+              <a:rPr lang="en-US"/>
               <a:t>Edit Master text styles</a:t>
             </a:r>
           </a:p>
@@ -2358,7 +2358,7 @@
           <a:p>
             <a:fld id="{BB86F1C3-4E0D-4EA1-AC40-508BD1BE2BEF}" type="datetimeFigureOut">
               <a:rPr lang="en-GB" smtClean="0"/>
-              <a:t>08/10/2020</a:t>
+              <a:t>08/04/2021</a:t>
             </a:fld>
             <a:endParaRPr lang="en-GB"/>
           </a:p>
@@ -2467,7 +2467,7 @@
           <a:lstStyle/>
           <a:p>
             <a:r>
-              <a:rPr lang="en-US" smtClean="0"/>
+              <a:rPr lang="en-US"/>
               <a:t>Click to edit Master title style</a:t>
             </a:r>
             <a:endParaRPr lang="en-GB"/>
@@ -2501,35 +2501,35 @@
           <a:p>
             <a:pPr lvl="0"/>
             <a:r>
-              <a:rPr lang="en-US" smtClean="0"/>
+              <a:rPr lang="en-US"/>
               <a:t>Edit Master text styles</a:t>
             </a:r>
           </a:p>
           <a:p>
             <a:pPr lvl="1"/>
             <a:r>
-              <a:rPr lang="en-US" smtClean="0"/>
+              <a:rPr lang="en-US"/>
               <a:t>Second level</a:t>
             </a:r>
           </a:p>
           <a:p>
             <a:pPr lvl="2"/>
             <a:r>
-              <a:rPr lang="en-US" smtClean="0"/>
+              <a:rPr lang="en-US"/>
               <a:t>Third level</a:t>
             </a:r>
           </a:p>
           <a:p>
             <a:pPr lvl="3"/>
             <a:r>
-              <a:rPr lang="en-US" smtClean="0"/>
+              <a:rPr lang="en-US"/>
               <a:t>Fourth level</a:t>
             </a:r>
           </a:p>
           <a:p>
             <a:pPr lvl="4"/>
             <a:r>
-              <a:rPr lang="en-US" smtClean="0"/>
+              <a:rPr lang="en-US"/>
               <a:t>Fifth level</a:t>
             </a:r>
             <a:endParaRPr lang="en-GB"/>
@@ -2571,7 +2571,7 @@
           <a:p>
             <a:fld id="{BB86F1C3-4E0D-4EA1-AC40-508BD1BE2BEF}" type="datetimeFigureOut">
               <a:rPr lang="en-GB" smtClean="0"/>
-              <a:t>08/10/2020</a:t>
+              <a:t>08/04/2021</a:t>
             </a:fld>
             <a:endParaRPr lang="en-GB"/>
           </a:p>
@@ -2999,10 +2999,9 @@
           <a:lstStyle/>
           <a:p>
             <a:r>
-              <a:rPr lang="en-GB" dirty="0" smtClean="0"/>
+              <a:rPr lang="en-GB" dirty="0"/>
               <a:t>Farmer/user</a:t>
             </a:r>
-            <a:endParaRPr lang="en-GB" dirty="0"/>
           </a:p>
         </p:txBody>
       </p:sp>
@@ -3029,10 +3028,9 @@
           <a:lstStyle/>
           <a:p>
             <a:r>
-              <a:rPr lang="en-GB" dirty="0" smtClean="0"/>
+              <a:rPr lang="en-GB" dirty="0"/>
               <a:t>Land (cells)</a:t>
             </a:r>
-            <a:endParaRPr lang="en-GB" dirty="0"/>
           </a:p>
         </p:txBody>
       </p:sp>
@@ -3059,10 +3057,9 @@
           <a:lstStyle/>
           <a:p>
             <a:r>
-              <a:rPr lang="en-GB" dirty="0" smtClean="0"/>
+              <a:rPr lang="en-GB" dirty="0"/>
               <a:t>budget</a:t>
             </a:r>
-            <a:endParaRPr lang="en-GB" dirty="0"/>
           </a:p>
         </p:txBody>
       </p:sp>
@@ -3089,10 +3086,9 @@
           <a:lstStyle/>
           <a:p>
             <a:r>
-              <a:rPr lang="en-GB" dirty="0" smtClean="0"/>
+              <a:rPr lang="en-GB" dirty="0"/>
               <a:t>Manager</a:t>
             </a:r>
-            <a:endParaRPr lang="en-GB" dirty="0"/>
           </a:p>
         </p:txBody>
       </p:sp>
@@ -3119,10 +3115,9 @@
           <a:lstStyle/>
           <a:p>
             <a:r>
-              <a:rPr lang="en-GB" dirty="0" smtClean="0"/>
+              <a:rPr lang="en-GB" dirty="0"/>
               <a:t>budget</a:t>
             </a:r>
-            <a:endParaRPr lang="en-GB" dirty="0"/>
           </a:p>
         </p:txBody>
       </p:sp>
@@ -3149,10 +3144,9 @@
           <a:lstStyle/>
           <a:p>
             <a:r>
-              <a:rPr lang="en-GB" dirty="0" smtClean="0"/>
+              <a:rPr lang="en-GB" dirty="0"/>
               <a:t>action</a:t>
             </a:r>
-            <a:endParaRPr lang="en-GB" dirty="0"/>
           </a:p>
         </p:txBody>
       </p:sp>
@@ -3179,10 +3173,9 @@
           <a:lstStyle/>
           <a:p>
             <a:r>
-              <a:rPr lang="en-GB" dirty="0" smtClean="0"/>
+              <a:rPr lang="en-GB" dirty="0"/>
               <a:t>policy</a:t>
             </a:r>
-            <a:endParaRPr lang="en-GB" dirty="0"/>
           </a:p>
         </p:txBody>
       </p:sp>
@@ -3533,10 +3526,9 @@
           <a:lstStyle/>
           <a:p>
             <a:r>
-              <a:rPr lang="en-GB" dirty="0" smtClean="0"/>
+              <a:rPr lang="en-GB" dirty="0"/>
               <a:t>Cost of action</a:t>
             </a:r>
-            <a:endParaRPr lang="en-GB" dirty="0"/>
           </a:p>
         </p:txBody>
       </p:sp>
@@ -3563,10 +3555,9 @@
           <a:lstStyle/>
           <a:p>
             <a:r>
-              <a:rPr lang="en-GB" dirty="0" smtClean="0"/>
+              <a:rPr lang="en-GB" dirty="0"/>
               <a:t>Observed population</a:t>
             </a:r>
-            <a:endParaRPr lang="en-GB" dirty="0"/>
           </a:p>
         </p:txBody>
       </p:sp>
@@ -3593,10 +3584,9 @@
           <a:lstStyle/>
           <a:p>
             <a:r>
-              <a:rPr lang="en-GB" dirty="0" smtClean="0"/>
+              <a:rPr lang="en-GB" dirty="0"/>
               <a:t>Real population</a:t>
             </a:r>
-            <a:endParaRPr lang="en-GB" dirty="0"/>
           </a:p>
         </p:txBody>
       </p:sp>
@@ -3691,14 +3681,13 @@
           <a:lstStyle/>
           <a:p>
             <a:r>
-              <a:rPr lang="en-GB" dirty="0" err="1" smtClean="0"/>
+              <a:rPr lang="en-GB" dirty="0" err="1"/>
               <a:t>Mgmnt</a:t>
             </a:r>
             <a:r>
-              <a:rPr lang="en-GB" dirty="0" smtClean="0"/>
+              <a:rPr lang="en-GB" dirty="0"/>
               <a:t> target</a:t>
             </a:r>
-            <a:endParaRPr lang="en-GB" dirty="0"/>
           </a:p>
         </p:txBody>
       </p:sp>
@@ -3758,10 +3747,9 @@
           <a:lstStyle/>
           <a:p>
             <a:r>
-              <a:rPr lang="en-GB" dirty="0" smtClean="0"/>
+              <a:rPr lang="en-GB" dirty="0"/>
               <a:t>Maximise production</a:t>
             </a:r>
-            <a:endParaRPr lang="en-GB" dirty="0"/>
           </a:p>
         </p:txBody>
       </p:sp>
@@ -3823,10 +3811,9 @@
           <a:lstStyle/>
           <a:p>
             <a:r>
-              <a:rPr lang="en-GB" dirty="0" smtClean="0"/>
+              <a:rPr lang="en-GB" dirty="0"/>
               <a:t>Decrease crane presence</a:t>
             </a:r>
-            <a:endParaRPr lang="en-GB" dirty="0"/>
           </a:p>
         </p:txBody>
       </p:sp>
@@ -3922,10 +3909,9 @@
           <a:lstStyle/>
           <a:p>
             <a:r>
-              <a:rPr lang="en-GB" dirty="0" smtClean="0"/>
+              <a:rPr lang="en-GB" dirty="0"/>
               <a:t>Culling action affects pop</a:t>
             </a:r>
-            <a:endParaRPr lang="en-GB" dirty="0"/>
           </a:p>
         </p:txBody>
       </p:sp>
@@ -3952,14 +3938,13 @@
           <a:lstStyle/>
           <a:p>
             <a:r>
-              <a:rPr lang="en-GB" dirty="0" err="1" smtClean="0"/>
+              <a:rPr lang="en-GB" dirty="0" err="1"/>
               <a:t>Nilson</a:t>
             </a:r>
             <a:r>
-              <a:rPr lang="en-GB" dirty="0" smtClean="0"/>
+              <a:rPr lang="en-GB" dirty="0"/>
               <a:t> et al</a:t>
             </a:r>
-            <a:endParaRPr lang="en-GB" dirty="0"/>
           </a:p>
         </p:txBody>
       </p:sp>
@@ -4016,10 +4001,9 @@
           <a:lstStyle/>
           <a:p>
             <a:r>
-              <a:rPr lang="en-GB" dirty="0" smtClean="0"/>
+              <a:rPr lang="en-GB" dirty="0"/>
               <a:t>Farmer/user</a:t>
             </a:r>
-            <a:endParaRPr lang="en-GB" dirty="0"/>
           </a:p>
         </p:txBody>
       </p:sp>
@@ -4046,10 +4030,9 @@
           <a:lstStyle/>
           <a:p>
             <a:r>
-              <a:rPr lang="en-GB" dirty="0" smtClean="0"/>
+              <a:rPr lang="en-GB" dirty="0"/>
               <a:t>budget</a:t>
             </a:r>
-            <a:endParaRPr lang="en-GB" dirty="0"/>
           </a:p>
         </p:txBody>
       </p:sp>
@@ -4076,10 +4059,9 @@
           <a:lstStyle/>
           <a:p>
             <a:r>
-              <a:rPr lang="en-GB" dirty="0" smtClean="0"/>
+              <a:rPr lang="en-GB" dirty="0"/>
               <a:t>Manager</a:t>
             </a:r>
-            <a:endParaRPr lang="en-GB" dirty="0"/>
           </a:p>
         </p:txBody>
       </p:sp>
@@ -4106,10 +4088,9 @@
           <a:lstStyle/>
           <a:p>
             <a:r>
-              <a:rPr lang="en-GB" dirty="0" smtClean="0"/>
+              <a:rPr lang="en-GB" dirty="0"/>
               <a:t>budget</a:t>
             </a:r>
-            <a:endParaRPr lang="en-GB" dirty="0"/>
           </a:p>
         </p:txBody>
       </p:sp>
@@ -4136,10 +4117,9 @@
           <a:lstStyle/>
           <a:p>
             <a:r>
-              <a:rPr lang="en-GB" dirty="0" smtClean="0"/>
+              <a:rPr lang="en-GB" dirty="0"/>
               <a:t>Harvest legally</a:t>
             </a:r>
-            <a:endParaRPr lang="en-GB" dirty="0"/>
           </a:p>
         </p:txBody>
       </p:sp>
@@ -4166,10 +4146,9 @@
           <a:lstStyle/>
           <a:p>
             <a:r>
-              <a:rPr lang="en-GB" dirty="0" smtClean="0"/>
+              <a:rPr lang="en-GB" dirty="0"/>
               <a:t>policy</a:t>
             </a:r>
-            <a:endParaRPr lang="en-GB" dirty="0"/>
           </a:p>
         </p:txBody>
       </p:sp>
@@ -4456,10 +4435,9 @@
           <a:lstStyle/>
           <a:p>
             <a:r>
-              <a:rPr lang="en-GB" dirty="0" smtClean="0"/>
+              <a:rPr lang="en-GB" dirty="0"/>
               <a:t>Cost of action</a:t>
             </a:r>
-            <a:endParaRPr lang="en-GB" dirty="0"/>
           </a:p>
         </p:txBody>
       </p:sp>
@@ -4486,10 +4464,9 @@
           <a:lstStyle/>
           <a:p>
             <a:r>
-              <a:rPr lang="en-GB" dirty="0" smtClean="0"/>
+              <a:rPr lang="en-GB" dirty="0"/>
               <a:t>Real population</a:t>
             </a:r>
-            <a:endParaRPr lang="en-GB" dirty="0"/>
           </a:p>
         </p:txBody>
       </p:sp>
@@ -4552,10 +4529,9 @@
           <a:lstStyle/>
           <a:p>
             <a:r>
-              <a:rPr lang="en-GB" dirty="0" smtClean="0"/>
+              <a:rPr lang="en-GB" dirty="0"/>
               <a:t>Harvesting affects pop</a:t>
             </a:r>
-            <a:endParaRPr lang="en-GB" dirty="0"/>
           </a:p>
         </p:txBody>
       </p:sp>
@@ -4590,10 +4566,9 @@
           <a:lstStyle/>
           <a:p>
             <a:r>
-              <a:rPr lang="en-GB" dirty="0" smtClean="0"/>
+              <a:rPr lang="en-GB" dirty="0"/>
               <a:t>Decision-making bias = pro conservation</a:t>
             </a:r>
-            <a:endParaRPr lang="en-GB" dirty="0"/>
           </a:p>
         </p:txBody>
       </p:sp>
@@ -4656,10 +4631,9 @@
           <a:lstStyle/>
           <a:p>
             <a:r>
-              <a:rPr lang="en-GB" dirty="0" smtClean="0"/>
+              <a:rPr lang="en-GB" dirty="0"/>
               <a:t>User aims to maximise harvest</a:t>
             </a:r>
-            <a:endParaRPr lang="en-GB" dirty="0"/>
           </a:p>
         </p:txBody>
       </p:sp>
@@ -4686,10 +4660,9 @@
           <a:lstStyle/>
           <a:p>
             <a:r>
-              <a:rPr lang="en-GB" dirty="0" smtClean="0"/>
+              <a:rPr lang="en-GB" dirty="0"/>
               <a:t>Harvest illegally</a:t>
             </a:r>
-            <a:endParaRPr lang="en-GB" dirty="0"/>
           </a:p>
         </p:txBody>
       </p:sp>
@@ -4716,10 +4689,9 @@
           <a:lstStyle/>
           <a:p>
             <a:r>
-              <a:rPr lang="en-GB" dirty="0" smtClean="0"/>
+              <a:rPr lang="en-GB" dirty="0"/>
               <a:t>Don’t harvest</a:t>
             </a:r>
-            <a:endParaRPr lang="en-GB" dirty="0"/>
           </a:p>
         </p:txBody>
       </p:sp>
@@ -4899,10 +4871,9 @@
           <a:lstStyle/>
           <a:p>
             <a:r>
-              <a:rPr lang="en-GB" dirty="0" smtClean="0"/>
+              <a:rPr lang="en-GB" dirty="0"/>
               <a:t>Decision-making bias = pro user</a:t>
             </a:r>
-            <a:endParaRPr lang="en-GB" dirty="0"/>
           </a:p>
         </p:txBody>
       </p:sp>
@@ -4973,10 +4944,9 @@
           <a:lstStyle/>
           <a:p>
             <a:r>
-              <a:rPr lang="en-GB" dirty="0" smtClean="0"/>
+              <a:rPr lang="en-GB" dirty="0"/>
               <a:t>No decision-making bias</a:t>
             </a:r>
-            <a:endParaRPr lang="en-GB" dirty="0"/>
           </a:p>
         </p:txBody>
       </p:sp>
@@ -5091,10 +5061,9 @@
           <a:lstStyle/>
           <a:p>
             <a:r>
-              <a:rPr lang="en-GB" dirty="0" smtClean="0"/>
+              <a:rPr lang="en-GB" dirty="0"/>
               <a:t>Compliance</a:t>
             </a:r>
-            <a:endParaRPr lang="en-GB" dirty="0"/>
           </a:p>
         </p:txBody>
       </p:sp>
@@ -5160,10 +5129,9 @@
           <a:lstStyle/>
           <a:p>
             <a:r>
-              <a:rPr lang="en-GB" dirty="0" smtClean="0"/>
+              <a:rPr lang="en-GB" dirty="0"/>
               <a:t>Cusack et al</a:t>
             </a:r>
-            <a:endParaRPr lang="en-GB" dirty="0"/>
           </a:p>
         </p:txBody>
       </p:sp>
@@ -5220,7 +5188,7 @@
           <a:lstStyle/>
           <a:p>
             <a:r>
-              <a:rPr lang="en-GB" dirty="0" smtClean="0"/>
+              <a:rPr lang="en-GB" dirty="0"/>
               <a:t>Cost of felling increases inside PA and is lower outside</a:t>
             </a:r>
           </a:p>
@@ -5229,7 +5197,7 @@
           </a:p>
           <a:p>
             <a:r>
-              <a:rPr lang="en-GB" dirty="0" smtClean="0"/>
+              <a:rPr lang="en-GB" dirty="0"/>
               <a:t>Illegal harvesting behaviour, non-compliance </a:t>
             </a:r>
           </a:p>
@@ -5238,7 +5206,7 @@
           </a:p>
           <a:p>
             <a:r>
-              <a:rPr lang="en-GB" dirty="0" smtClean="0"/>
+              <a:rPr lang="en-GB" dirty="0"/>
               <a:t>Population density</a:t>
             </a:r>
           </a:p>
@@ -5247,7 +5215,7 @@
           </a:p>
           <a:p>
             <a:r>
-              <a:rPr lang="en-GB" dirty="0" smtClean="0"/>
+              <a:rPr lang="en-GB" dirty="0"/>
               <a:t>Lobbying? Proxy for corruption, nepotism?</a:t>
             </a:r>
           </a:p>
@@ -5256,10 +5224,9 @@
           </a:p>
           <a:p>
             <a:r>
-              <a:rPr lang="en-GB" dirty="0" smtClean="0"/>
+              <a:rPr lang="en-GB" dirty="0"/>
               <a:t>How do you set management objectives outside of PAs? Does the government have any say on forest clearance outside of PAs? Does that not count as private land?</a:t>
             </a:r>
-            <a:endParaRPr lang="en-GB" dirty="0"/>
           </a:p>
         </p:txBody>
       </p:sp>
@@ -5316,10 +5283,9 @@
           <a:lstStyle/>
           <a:p>
             <a:r>
-              <a:rPr lang="en-GB" sz="1400" dirty="0" smtClean="0"/>
+              <a:rPr lang="en-GB" sz="1400" dirty="0"/>
               <a:t>“Population” of farmers</a:t>
             </a:r>
-            <a:endParaRPr lang="en-GB" sz="1400" dirty="0"/>
           </a:p>
         </p:txBody>
       </p:sp>
@@ -5346,10 +5312,9 @@
           <a:lstStyle/>
           <a:p>
             <a:r>
-              <a:rPr lang="en-GB" sz="1400" dirty="0" smtClean="0"/>
+              <a:rPr lang="en-GB" sz="1400" dirty="0"/>
               <a:t>Human population density – as density increases, the “budget” for the cells increase</a:t>
             </a:r>
-            <a:endParaRPr lang="en-GB" sz="1400" dirty="0"/>
           </a:p>
         </p:txBody>
       </p:sp>
@@ -5412,10 +5377,9 @@
           <a:lstStyle/>
           <a:p>
             <a:r>
-              <a:rPr lang="en-GB" sz="1400" dirty="0" smtClean="0"/>
+              <a:rPr lang="en-GB" sz="1400" dirty="0"/>
               <a:t>Maximise yield</a:t>
             </a:r>
-            <a:endParaRPr lang="en-GB" sz="1400" dirty="0"/>
           </a:p>
         </p:txBody>
       </p:sp>
@@ -5478,10 +5442,9 @@
           <a:lstStyle/>
           <a:p>
             <a:r>
-              <a:rPr lang="en-GB" sz="1400" dirty="0" smtClean="0"/>
+              <a:rPr lang="en-GB" sz="1400" dirty="0"/>
               <a:t>Manager</a:t>
             </a:r>
-            <a:endParaRPr lang="en-GB" sz="1400" dirty="0"/>
           </a:p>
         </p:txBody>
       </p:sp>
@@ -5508,10 +5471,9 @@
           <a:lstStyle/>
           <a:p>
             <a:r>
-              <a:rPr lang="en-GB" sz="1400" dirty="0" smtClean="0"/>
+              <a:rPr lang="en-GB" sz="1400" dirty="0"/>
               <a:t>Budget</a:t>
             </a:r>
-            <a:endParaRPr lang="en-GB" sz="1400" dirty="0"/>
           </a:p>
         </p:txBody>
       </p:sp>
@@ -5574,10 +5536,9 @@
           <a:lstStyle/>
           <a:p>
             <a:r>
-              <a:rPr lang="en-GB" sz="1400" dirty="0" smtClean="0"/>
+              <a:rPr lang="en-GB" sz="1400" dirty="0"/>
               <a:t>Yield is increased by “culling” trees on their land</a:t>
             </a:r>
-            <a:endParaRPr lang="en-GB" sz="1400" dirty="0"/>
           </a:p>
         </p:txBody>
       </p:sp>
@@ -5675,10 +5636,9 @@
           <a:lstStyle/>
           <a:p>
             <a:r>
-              <a:rPr lang="en-GB" sz="1400" dirty="0" smtClean="0"/>
+              <a:rPr lang="en-GB" sz="1400" dirty="0"/>
               <a:t>“Population” of farmers</a:t>
             </a:r>
-            <a:endParaRPr lang="en-GB" sz="1400" dirty="0"/>
           </a:p>
         </p:txBody>
       </p:sp>
@@ -5705,10 +5665,9 @@
           <a:lstStyle/>
           <a:p>
             <a:r>
-              <a:rPr lang="en-GB" sz="1400" dirty="0" smtClean="0"/>
+              <a:rPr lang="en-GB" sz="1400" dirty="0"/>
               <a:t>Human population density – as density increases, the “budget” for the cells increase</a:t>
             </a:r>
-            <a:endParaRPr lang="en-GB" sz="1400" dirty="0"/>
           </a:p>
         </p:txBody>
       </p:sp>
@@ -5771,10 +5730,9 @@
           <a:lstStyle/>
           <a:p>
             <a:r>
-              <a:rPr lang="en-GB" sz="1400" dirty="0" smtClean="0"/>
+              <a:rPr lang="en-GB" sz="1400" dirty="0"/>
               <a:t>Maximise yield up to quota</a:t>
             </a:r>
-            <a:endParaRPr lang="en-GB" sz="1400" dirty="0"/>
           </a:p>
         </p:txBody>
       </p:sp>
@@ -5837,10 +5795,9 @@
           <a:lstStyle/>
           <a:p>
             <a:r>
-              <a:rPr lang="en-GB" sz="1400" dirty="0" smtClean="0"/>
+              <a:rPr lang="en-GB" sz="1400" dirty="0"/>
               <a:t>Budget</a:t>
             </a:r>
-            <a:endParaRPr lang="en-GB" sz="1400" dirty="0"/>
           </a:p>
         </p:txBody>
       </p:sp>
@@ -5903,10 +5860,9 @@
           <a:lstStyle/>
           <a:p>
             <a:r>
-              <a:rPr lang="en-GB" sz="1400" dirty="0" smtClean="0"/>
+              <a:rPr lang="en-GB" sz="1400" dirty="0"/>
               <a:t>Yield is increased by “culling” trees on their land</a:t>
             </a:r>
-            <a:endParaRPr lang="en-GB" sz="1400" dirty="0"/>
           </a:p>
         </p:txBody>
       </p:sp>
@@ -5969,10 +5925,9 @@
           <a:lstStyle/>
           <a:p>
             <a:r>
-              <a:rPr lang="en-GB" sz="1400" dirty="0" smtClean="0"/>
+              <a:rPr lang="en-GB" sz="1400" dirty="0"/>
               <a:t>Strict quota</a:t>
             </a:r>
-            <a:endParaRPr lang="en-GB" sz="1400" dirty="0"/>
           </a:p>
         </p:txBody>
       </p:sp>
@@ -5999,10 +5954,9 @@
           <a:lstStyle/>
           <a:p>
             <a:r>
-              <a:rPr lang="en-GB" dirty="0" smtClean="0"/>
+              <a:rPr lang="en-GB" dirty="0"/>
               <a:t>PA </a:t>
             </a:r>
-            <a:endParaRPr lang="en-GB" dirty="0"/>
           </a:p>
         </p:txBody>
       </p:sp>
@@ -6029,10 +5983,9 @@
           <a:lstStyle/>
           <a:p>
             <a:r>
-              <a:rPr lang="en-GB" dirty="0" smtClean="0"/>
+              <a:rPr lang="en-GB" dirty="0"/>
               <a:t>Outside PA </a:t>
             </a:r>
-            <a:endParaRPr lang="en-GB" dirty="0"/>
           </a:p>
         </p:txBody>
       </p:sp>
@@ -6096,10 +6049,9 @@
           <a:lstStyle/>
           <a:p>
             <a:r>
-              <a:rPr lang="en-GB" sz="1400" dirty="0" smtClean="0"/>
+              <a:rPr lang="en-GB" sz="1400" dirty="0"/>
               <a:t>“Population” of farmers</a:t>
             </a:r>
-            <a:endParaRPr lang="en-GB" sz="1400" dirty="0"/>
           </a:p>
         </p:txBody>
       </p:sp>
@@ -6134,10 +6086,9 @@
           <a:lstStyle/>
           <a:p>
             <a:r>
-              <a:rPr lang="en-GB" sz="1400" dirty="0" smtClean="0"/>
+              <a:rPr lang="en-GB" sz="1400" dirty="0"/>
               <a:t>Human population density – as density increases, the “budget” for the cells increase</a:t>
             </a:r>
-            <a:endParaRPr lang="en-GB" sz="1400" dirty="0"/>
           </a:p>
         </p:txBody>
       </p:sp>
@@ -6213,10 +6164,9 @@
           <a:lstStyle/>
           <a:p>
             <a:r>
-              <a:rPr lang="en-GB" sz="1400" dirty="0" smtClean="0"/>
+              <a:rPr lang="en-GB" sz="1400" dirty="0"/>
               <a:t>Maximise yield</a:t>
             </a:r>
-            <a:endParaRPr lang="en-GB" sz="1400" dirty="0"/>
           </a:p>
         </p:txBody>
       </p:sp>
@@ -6289,10 +6239,9 @@
           <a:lstStyle/>
           <a:p>
             <a:r>
-              <a:rPr lang="en-GB" sz="1400" dirty="0" smtClean="0"/>
+              <a:rPr lang="en-GB" sz="1400" dirty="0"/>
               <a:t>Manager</a:t>
             </a:r>
-            <a:endParaRPr lang="en-GB" sz="1400" dirty="0"/>
           </a:p>
         </p:txBody>
       </p:sp>
@@ -6326,10 +6275,9 @@
           <a:lstStyle/>
           <a:p>
             <a:r>
-              <a:rPr lang="en-GB" sz="1400" dirty="0" smtClean="0"/>
+              <a:rPr lang="en-GB" sz="1400" dirty="0"/>
               <a:t>Budget</a:t>
             </a:r>
-            <a:endParaRPr lang="en-GB" sz="1400" dirty="0"/>
           </a:p>
         </p:txBody>
       </p:sp>
@@ -6405,10 +6353,9 @@
           <a:lstStyle/>
           <a:p>
             <a:r>
-              <a:rPr lang="en-GB" sz="1400" dirty="0" smtClean="0"/>
+              <a:rPr lang="en-GB" sz="1400" dirty="0"/>
               <a:t>Yield is increased by “culling” trees on their land</a:t>
             </a:r>
-            <a:endParaRPr lang="en-GB" sz="1400" dirty="0"/>
           </a:p>
         </p:txBody>
       </p:sp>
@@ -6517,10 +6464,9 @@
           <a:lstStyle/>
           <a:p>
             <a:r>
-              <a:rPr lang="en-GB" sz="1400" dirty="0" smtClean="0"/>
+              <a:rPr lang="en-GB" sz="1400" dirty="0"/>
               <a:t>“Population” of farmers</a:t>
             </a:r>
-            <a:endParaRPr lang="en-GB" sz="1400" dirty="0"/>
           </a:p>
         </p:txBody>
       </p:sp>
@@ -6553,10 +6499,9 @@
           <a:lstStyle/>
           <a:p>
             <a:r>
-              <a:rPr lang="en-GB" sz="1400" dirty="0" smtClean="0"/>
+              <a:rPr lang="en-GB" sz="1400" dirty="0"/>
               <a:t>Human population density – as density increases, the “budget” for the cells increase</a:t>
             </a:r>
-            <a:endParaRPr lang="en-GB" sz="1400" dirty="0"/>
           </a:p>
         </p:txBody>
       </p:sp>
@@ -6628,10 +6573,9 @@
           <a:lstStyle/>
           <a:p>
             <a:r>
-              <a:rPr lang="en-GB" sz="1400" dirty="0" smtClean="0"/>
+              <a:rPr lang="en-GB" sz="1400" dirty="0"/>
               <a:t>Maximise yield up to quota</a:t>
             </a:r>
-            <a:endParaRPr lang="en-GB" sz="1400" dirty="0"/>
           </a:p>
         </p:txBody>
       </p:sp>
@@ -6702,10 +6646,9 @@
           <a:lstStyle/>
           <a:p>
             <a:r>
-              <a:rPr lang="en-GB" sz="1400" dirty="0" smtClean="0"/>
+              <a:rPr lang="en-GB" sz="1400" dirty="0"/>
               <a:t>Budget</a:t>
             </a:r>
-            <a:endParaRPr lang="en-GB" sz="1400" dirty="0"/>
           </a:p>
         </p:txBody>
       </p:sp>
@@ -6777,10 +6720,9 @@
           <a:lstStyle/>
           <a:p>
             <a:r>
-              <a:rPr lang="en-GB" sz="1400" dirty="0" smtClean="0"/>
+              <a:rPr lang="en-GB" sz="1400" dirty="0"/>
               <a:t>Yield is increased by “culling” trees on their land</a:t>
             </a:r>
-            <a:endParaRPr lang="en-GB" sz="1400" dirty="0"/>
           </a:p>
         </p:txBody>
       </p:sp>
@@ -6852,10 +6794,9 @@
           <a:lstStyle/>
           <a:p>
             <a:r>
-              <a:rPr lang="en-GB" sz="1400" dirty="0" smtClean="0"/>
+              <a:rPr lang="en-GB" sz="1400" dirty="0"/>
               <a:t>Budget</a:t>
             </a:r>
-            <a:endParaRPr lang="en-GB" sz="1400" dirty="0"/>
           </a:p>
         </p:txBody>
       </p:sp>
@@ -6882,10 +6823,9 @@
           <a:lstStyle/>
           <a:p>
             <a:r>
-              <a:rPr lang="en-GB" dirty="0" smtClean="0"/>
+              <a:rPr lang="en-GB" dirty="0"/>
               <a:t>Existing land tenure </a:t>
             </a:r>
-            <a:endParaRPr lang="en-GB" dirty="0"/>
           </a:p>
         </p:txBody>
       </p:sp>
@@ -6912,10 +6852,9 @@
           <a:lstStyle/>
           <a:p>
             <a:r>
-              <a:rPr lang="en-GB" dirty="0" smtClean="0"/>
+              <a:rPr lang="en-GB" dirty="0"/>
               <a:t>No land tenure </a:t>
             </a:r>
-            <a:endParaRPr lang="en-GB" dirty="0"/>
           </a:p>
         </p:txBody>
       </p:sp>
@@ -6947,10 +6886,9 @@
           <a:lstStyle/>
           <a:p>
             <a:r>
-              <a:rPr lang="en-GB" sz="1400" dirty="0" smtClean="0"/>
+              <a:rPr lang="en-GB" sz="1400" dirty="0"/>
               <a:t>Policy</a:t>
             </a:r>
-            <a:endParaRPr lang="en-GB" sz="1400" dirty="0"/>
           </a:p>
         </p:txBody>
       </p:sp>
@@ -6983,10 +6921,9 @@
           <a:lstStyle/>
           <a:p>
             <a:r>
-              <a:rPr lang="en-GB" sz="1400" dirty="0" smtClean="0"/>
+              <a:rPr lang="en-GB" sz="1400" dirty="0"/>
               <a:t>This varies from very lenient if lots of tenured land left to very strict when tenured land runs out</a:t>
             </a:r>
-            <a:endParaRPr lang="en-GB" sz="1400" dirty="0"/>
           </a:p>
         </p:txBody>
       </p:sp>
@@ -7018,10 +6955,9 @@
           <a:lstStyle/>
           <a:p>
             <a:r>
-              <a:rPr lang="en-GB" sz="1400" dirty="0" smtClean="0"/>
+              <a:rPr lang="en-GB" sz="1400" dirty="0"/>
               <a:t>Policy</a:t>
             </a:r>
-            <a:endParaRPr lang="en-GB" sz="1400" dirty="0"/>
           </a:p>
         </p:txBody>
       </p:sp>
@@ -7054,10 +6990,9 @@
           <a:lstStyle/>
           <a:p>
             <a:r>
-              <a:rPr lang="en-GB" sz="1400" dirty="0" smtClean="0"/>
+              <a:rPr lang="en-GB" sz="1400" dirty="0"/>
               <a:t>Always very strict as all felling is illegal outside of tenured land</a:t>
             </a:r>
-            <a:endParaRPr lang="en-GB" sz="1400" dirty="0"/>
           </a:p>
         </p:txBody>
       </p:sp>
@@ -7283,10 +7218,9 @@
           <a:lstStyle/>
           <a:p>
             <a:r>
-              <a:rPr lang="en-GB" sz="1400" dirty="0" smtClean="0"/>
+              <a:rPr lang="en-GB" sz="1400" dirty="0"/>
               <a:t>Cost of felling</a:t>
             </a:r>
-            <a:endParaRPr lang="en-GB" sz="1400" dirty="0"/>
           </a:p>
         </p:txBody>
       </p:sp>
@@ -7395,10 +7329,9 @@
           <a:lstStyle/>
           <a:p>
             <a:r>
-              <a:rPr lang="en-GB" sz="1400" dirty="0" smtClean="0"/>
+              <a:rPr lang="en-GB" sz="1400" dirty="0"/>
               <a:t>Cost of felling</a:t>
             </a:r>
-            <a:endParaRPr lang="en-GB" sz="1400" dirty="0"/>
           </a:p>
         </p:txBody>
       </p:sp>
@@ -7540,10 +7473,9 @@
           <a:lstStyle/>
           <a:p>
             <a:r>
-              <a:rPr lang="en-GB" sz="1400" dirty="0" smtClean="0"/>
+              <a:rPr lang="en-GB" sz="1400" dirty="0"/>
               <a:t>“Population” of farmers</a:t>
             </a:r>
-            <a:endParaRPr lang="en-GB" sz="1400" dirty="0"/>
           </a:p>
         </p:txBody>
       </p:sp>
@@ -7578,10 +7510,9 @@
           <a:lstStyle/>
           <a:p>
             <a:r>
-              <a:rPr lang="en-GB" sz="1400" dirty="0" smtClean="0"/>
+              <a:rPr lang="en-GB" sz="1400" dirty="0"/>
               <a:t>Human population density – as density increases, the “budget” for the cells increase</a:t>
             </a:r>
-            <a:endParaRPr lang="en-GB" sz="1400" dirty="0"/>
           </a:p>
         </p:txBody>
       </p:sp>
@@ -7657,10 +7588,9 @@
           <a:lstStyle/>
           <a:p>
             <a:r>
-              <a:rPr lang="en-GB" sz="1400" dirty="0" smtClean="0"/>
+              <a:rPr lang="en-GB" sz="1400" dirty="0"/>
               <a:t>Maximise “profit”</a:t>
             </a:r>
-            <a:endParaRPr lang="en-GB" sz="1400" dirty="0"/>
           </a:p>
         </p:txBody>
       </p:sp>
@@ -7735,10 +7665,9 @@
           <a:lstStyle/>
           <a:p>
             <a:r>
-              <a:rPr lang="en-GB" sz="1400" dirty="0" smtClean="0"/>
+              <a:rPr lang="en-GB" sz="1400" dirty="0"/>
               <a:t>Budget</a:t>
             </a:r>
-            <a:endParaRPr lang="en-GB" sz="1400" dirty="0"/>
           </a:p>
         </p:txBody>
       </p:sp>
@@ -7770,10 +7699,9 @@
           <a:lstStyle/>
           <a:p>
             <a:r>
-              <a:rPr lang="en-GB" sz="1400" dirty="0" smtClean="0"/>
+              <a:rPr lang="en-GB" sz="1400" dirty="0"/>
               <a:t>Incentive payments from REDD</a:t>
             </a:r>
-            <a:endParaRPr lang="en-GB" sz="1400" dirty="0"/>
           </a:p>
         </p:txBody>
       </p:sp>
@@ -7805,10 +7733,9 @@
           <a:lstStyle/>
           <a:p>
             <a:r>
-              <a:rPr lang="en-GB" sz="1400" dirty="0" smtClean="0"/>
+              <a:rPr lang="en-GB" sz="1400" dirty="0"/>
               <a:t>Resource – Forest cover / trees</a:t>
             </a:r>
-            <a:endParaRPr lang="en-GB" sz="1400" dirty="0"/>
           </a:p>
         </p:txBody>
       </p:sp>
@@ -7840,10 +7767,9 @@
           <a:lstStyle/>
           <a:p>
             <a:r>
-              <a:rPr lang="en-GB" sz="1400" dirty="0" smtClean="0"/>
+              <a:rPr lang="en-GB" sz="1400" dirty="0"/>
               <a:t>Profits from increased farmland</a:t>
             </a:r>
-            <a:endParaRPr lang="en-GB" sz="1400" dirty="0"/>
           </a:p>
         </p:txBody>
       </p:sp>
@@ -7875,10 +7801,9 @@
           <a:lstStyle/>
           <a:p>
             <a:r>
-              <a:rPr lang="en-GB" sz="1400" dirty="0" smtClean="0"/>
+              <a:rPr lang="en-GB" sz="1400" dirty="0"/>
               <a:t>Do not cut</a:t>
             </a:r>
-            <a:endParaRPr lang="en-GB" sz="1400" dirty="0"/>
           </a:p>
         </p:txBody>
       </p:sp>
@@ -7910,10 +7835,9 @@
           <a:lstStyle/>
           <a:p>
             <a:r>
-              <a:rPr lang="en-GB" sz="1400" dirty="0" smtClean="0"/>
+              <a:rPr lang="en-GB" sz="1400" dirty="0"/>
               <a:t>Cut</a:t>
             </a:r>
-            <a:endParaRPr lang="en-GB" sz="1400" dirty="0"/>
           </a:p>
         </p:txBody>
       </p:sp>
@@ -8249,10 +8173,9 @@
           <a:lstStyle/>
           <a:p>
             <a:r>
-              <a:rPr lang="en-GB" sz="1400" smtClean="0"/>
+              <a:rPr lang="en-GB" sz="1400"/>
               <a:t>Manager</a:t>
             </a:r>
-            <a:endParaRPr lang="en-GB" sz="1400"/>
           </a:p>
         </p:txBody>
       </p:sp>
@@ -8284,10 +8207,9 @@
           <a:lstStyle/>
           <a:p>
             <a:r>
-              <a:rPr lang="en-GB" sz="1400" dirty="0" smtClean="0"/>
+              <a:rPr lang="en-GB" sz="1400" dirty="0"/>
               <a:t>Budget</a:t>
             </a:r>
-            <a:endParaRPr lang="en-GB" sz="1400" dirty="0"/>
           </a:p>
         </p:txBody>
       </p:sp>
@@ -8319,10 +8241,9 @@
           <a:lstStyle/>
           <a:p>
             <a:r>
-              <a:rPr lang="en-GB" sz="1400" dirty="0" smtClean="0"/>
+              <a:rPr lang="en-GB" sz="1400" dirty="0"/>
               <a:t>Policy</a:t>
             </a:r>
-            <a:endParaRPr lang="en-GB" sz="1400" dirty="0"/>
           </a:p>
         </p:txBody>
       </p:sp>
@@ -8396,10 +8317,9 @@
           <a:lstStyle/>
           <a:p>
             <a:r>
-              <a:rPr lang="en-GB" sz="1400" dirty="0" smtClean="0"/>
+              <a:rPr lang="en-GB" sz="1400" dirty="0"/>
               <a:t>costs</a:t>
             </a:r>
-            <a:endParaRPr lang="en-GB" sz="1400" dirty="0"/>
           </a:p>
         </p:txBody>
       </p:sp>
@@ -8549,10 +8469,9 @@
           <a:lstStyle/>
           <a:p>
             <a:r>
-              <a:rPr lang="en-GB" sz="1400" dirty="0" smtClean="0"/>
+              <a:rPr lang="en-GB" sz="1400" dirty="0"/>
               <a:t>This varies from high to low to reflect the benefit sharing mechanism</a:t>
             </a:r>
-            <a:endParaRPr lang="en-GB" sz="1400" dirty="0"/>
           </a:p>
         </p:txBody>
       </p:sp>
@@ -8625,10 +8544,9 @@
           <a:lstStyle/>
           <a:p>
             <a:r>
-              <a:rPr lang="en-GB" sz="1400" dirty="0" smtClean="0"/>
+              <a:rPr lang="en-GB" sz="1400" dirty="0"/>
               <a:t>The cost of cutting varies from high to low to reflect law enforcement</a:t>
             </a:r>
-            <a:endParaRPr lang="en-GB" sz="1400" dirty="0"/>
           </a:p>
         </p:txBody>
       </p:sp>
@@ -8695,10 +8613,9 @@
           <a:lstStyle/>
           <a:p>
             <a:r>
-              <a:rPr lang="en-GB" b="1" dirty="0" smtClean="0"/>
+              <a:rPr lang="en-GB" b="1" dirty="0"/>
               <a:t>REDD+</a:t>
             </a:r>
-            <a:endParaRPr lang="en-GB" b="1" dirty="0"/>
           </a:p>
         </p:txBody>
       </p:sp>
@@ -8755,7 +8672,7 @@
           <a:lstStyle/>
           <a:p>
             <a:r>
-              <a:rPr lang="en-GB" dirty="0" smtClean="0"/>
+              <a:rPr lang="en-GB" dirty="0"/>
               <a:t>I think the tenure and REDD ideas are actually quite simple to put together. They are basically the same except for adding the benefit-sharing mechanism </a:t>
             </a:r>
           </a:p>
@@ -8764,10 +8681,9 @@
           </a:p>
           <a:p>
             <a:r>
-              <a:rPr lang="en-GB" dirty="0" smtClean="0"/>
+              <a:rPr lang="en-GB" dirty="0"/>
               <a:t>Adding the hunting needs more thought</a:t>
             </a:r>
-            <a:endParaRPr lang="en-GB" dirty="0"/>
           </a:p>
         </p:txBody>
       </p:sp>
@@ -8831,10 +8747,9 @@
           <a:lstStyle/>
           <a:p>
             <a:r>
-              <a:rPr lang="en-GB" sz="1400" dirty="0" smtClean="0"/>
+              <a:rPr lang="en-GB" sz="1400" dirty="0"/>
               <a:t>“Population” of farmers</a:t>
             </a:r>
-            <a:endParaRPr lang="en-GB" sz="1400" dirty="0"/>
           </a:p>
         </p:txBody>
       </p:sp>
@@ -8869,10 +8784,9 @@
           <a:lstStyle/>
           <a:p>
             <a:r>
-              <a:rPr lang="en-GB" sz="1400" dirty="0" smtClean="0"/>
+              <a:rPr lang="en-GB" sz="1400" dirty="0"/>
               <a:t>Human population density – as density increases, the “budget” for the cells increase</a:t>
             </a:r>
-            <a:endParaRPr lang="en-GB" sz="1400" dirty="0"/>
           </a:p>
         </p:txBody>
       </p:sp>
@@ -8948,10 +8862,9 @@
           <a:lstStyle/>
           <a:p>
             <a:r>
-              <a:rPr lang="en-GB" sz="1400" dirty="0" smtClean="0"/>
+              <a:rPr lang="en-GB" sz="1400" dirty="0"/>
               <a:t>Maximise yield</a:t>
             </a:r>
-            <a:endParaRPr lang="en-GB" sz="1400" dirty="0"/>
           </a:p>
         </p:txBody>
       </p:sp>
@@ -9026,10 +8939,9 @@
           <a:lstStyle/>
           <a:p>
             <a:r>
-              <a:rPr lang="en-GB" sz="1400" dirty="0" smtClean="0"/>
+              <a:rPr lang="en-GB" sz="1400" dirty="0"/>
               <a:t>Budget</a:t>
             </a:r>
-            <a:endParaRPr lang="en-GB" sz="1400" dirty="0"/>
           </a:p>
         </p:txBody>
       </p:sp>
@@ -9061,10 +8973,9 @@
           <a:lstStyle/>
           <a:p>
             <a:r>
-              <a:rPr lang="en-GB" sz="1400" dirty="0" smtClean="0"/>
+              <a:rPr lang="en-GB" sz="1400" dirty="0"/>
               <a:t>Resource – Forest cover / trees</a:t>
             </a:r>
-            <a:endParaRPr lang="en-GB" sz="1400" dirty="0"/>
           </a:p>
         </p:txBody>
       </p:sp>
@@ -9096,10 +9007,9 @@
           <a:lstStyle/>
           <a:p>
             <a:r>
-              <a:rPr lang="en-GB" sz="1400" dirty="0" smtClean="0"/>
+              <a:rPr lang="en-GB" sz="1400" dirty="0"/>
               <a:t>Do not cut</a:t>
             </a:r>
-            <a:endParaRPr lang="en-GB" sz="1400" dirty="0"/>
           </a:p>
         </p:txBody>
       </p:sp>
@@ -9131,10 +9041,9 @@
           <a:lstStyle/>
           <a:p>
             <a:r>
-              <a:rPr lang="en-GB" sz="1400" dirty="0" smtClean="0"/>
+              <a:rPr lang="en-GB" sz="1400" dirty="0"/>
               <a:t>Cut</a:t>
             </a:r>
-            <a:endParaRPr lang="en-GB" sz="1400" dirty="0"/>
           </a:p>
         </p:txBody>
       </p:sp>
@@ -9352,10 +9261,9 @@
           <a:lstStyle/>
           <a:p>
             <a:r>
-              <a:rPr lang="en-GB" sz="1400" smtClean="0"/>
+              <a:rPr lang="en-GB" sz="1400"/>
               <a:t>Manager</a:t>
             </a:r>
-            <a:endParaRPr lang="en-GB" sz="1400"/>
           </a:p>
         </p:txBody>
       </p:sp>
@@ -9387,10 +9295,9 @@
           <a:lstStyle/>
           <a:p>
             <a:r>
-              <a:rPr lang="en-GB" sz="1400" dirty="0" smtClean="0"/>
+              <a:rPr lang="en-GB" sz="1400" dirty="0"/>
               <a:t>Budget</a:t>
             </a:r>
-            <a:endParaRPr lang="en-GB" sz="1400" dirty="0"/>
           </a:p>
         </p:txBody>
       </p:sp>
@@ -9422,10 +9329,9 @@
           <a:lstStyle/>
           <a:p>
             <a:r>
-              <a:rPr lang="en-GB" sz="1400" dirty="0" smtClean="0"/>
+              <a:rPr lang="en-GB" sz="1400" dirty="0"/>
               <a:t>Policy</a:t>
             </a:r>
-            <a:endParaRPr lang="en-GB" sz="1400" dirty="0"/>
           </a:p>
         </p:txBody>
       </p:sp>
@@ -9499,10 +9405,9 @@
           <a:lstStyle/>
           <a:p>
             <a:r>
-              <a:rPr lang="en-GB" sz="1400" dirty="0" smtClean="0"/>
+              <a:rPr lang="en-GB" sz="1400" dirty="0"/>
               <a:t>costs</a:t>
             </a:r>
-            <a:endParaRPr lang="en-GB" sz="1400" dirty="0"/>
           </a:p>
         </p:txBody>
       </p:sp>
@@ -9631,8 +9536,8 @@
         </p:nvSpPr>
         <p:spPr>
           <a:xfrm>
-            <a:off x="2417955" y="5455340"/>
-            <a:ext cx="1793381" cy="954107"/>
+            <a:off x="2219448" y="5473005"/>
+            <a:ext cx="2228258" cy="954107"/>
           </a:xfrm>
           <a:prstGeom prst="rect">
             <a:avLst/>
@@ -9652,10 +9557,9 @@
           <a:lstStyle/>
           <a:p>
             <a:r>
-              <a:rPr lang="en-GB" sz="1400" dirty="0" smtClean="0"/>
-              <a:t>The cost of cutting varies from high to low to reflect law enforcement</a:t>
-            </a:r>
-            <a:endParaRPr lang="en-GB" sz="1400" dirty="0"/>
+              <a:rPr lang="en-GB" sz="1400" dirty="0"/>
+              <a:t>The cost of cutting varies from high to low to reflect management investment / law enforcement</a:t>
+            </a:r>
           </a:p>
         </p:txBody>
       </p:sp>
@@ -9663,15 +9567,16 @@
         <p:nvCxnSpPr>
           <p:cNvPr id="34" name="Straight Arrow Connector 33"/>
           <p:cNvCxnSpPr>
+            <a:cxnSpLocks/>
             <a:stCxn id="33" idx="0"/>
             <a:endCxn id="25" idx="2"/>
           </p:cNvCxnSpPr>
           <p:nvPr/>
         </p:nvCxnSpPr>
         <p:spPr>
-          <a:xfrm flipV="1">
-            <a:off x="3314646" y="4696402"/>
-            <a:ext cx="1910" cy="758938"/>
+          <a:xfrm flipH="1" flipV="1">
+            <a:off x="3316556" y="4696402"/>
+            <a:ext cx="17021" cy="776603"/>
           </a:xfrm>
           <a:prstGeom prst="straightConnector1">
             <a:avLst/>
@@ -9699,6 +9604,50 @@
           </a:fontRef>
         </p:style>
       </p:cxnSp>
+      <p:sp>
+        <p:nvSpPr>
+          <p:cNvPr id="12" name="TextBox 11">
+            <a:extLst>
+              <a:ext uri="{FF2B5EF4-FFF2-40B4-BE49-F238E27FC236}">
+                <a16:creationId xmlns:a16="http://schemas.microsoft.com/office/drawing/2014/main" id="{07BFDCE4-B6E6-4BB4-B208-5EBCAEF76D13}"/>
+              </a:ext>
+            </a:extLst>
+          </p:cNvPr>
+          <p:cNvSpPr txBox="1"/>
+          <p:nvPr/>
+        </p:nvSpPr>
+        <p:spPr>
+          <a:xfrm>
+            <a:off x="6577350" y="3872793"/>
+            <a:ext cx="3832307" cy="2308324"/>
+          </a:xfrm>
+          <a:prstGeom prst="rect">
+            <a:avLst/>
+          </a:prstGeom>
+          <a:noFill/>
+        </p:spPr>
+        <p:txBody>
+          <a:bodyPr wrap="square" rtlCol="0">
+            <a:spAutoFit/>
+          </a:bodyPr>
+          <a:lstStyle/>
+          <a:p>
+            <a:r>
+              <a:rPr lang="en-GB" dirty="0"/>
+              <a:t>What is the most efficient or effective way of making management / conservation investments when user budgets (population density) increase over time?</a:t>
+            </a:r>
+          </a:p>
+          <a:p>
+            <a:endParaRPr lang="en-GB" dirty="0"/>
+          </a:p>
+          <a:p>
+            <a:r>
+              <a:rPr lang="en-GB" dirty="0"/>
+              <a:t>Formalise model by including all combinations of investment strategy</a:t>
+            </a:r>
+          </a:p>
+        </p:txBody>
+      </p:sp>
     </p:spTree>
     <p:extLst>
       <p:ext uri="{BB962C8B-B14F-4D97-AF65-F5344CB8AC3E}">

--- a/Notes/outline of ideas.pptx
+++ b/Notes/outline of ideas.pptx
@@ -250,7 +250,7 @@
           <a:p>
             <a:fld id="{BB86F1C3-4E0D-4EA1-AC40-508BD1BE2BEF}" type="datetimeFigureOut">
               <a:rPr lang="en-GB" smtClean="0"/>
-              <a:t>08/04/2021</a:t>
+              <a:t>16/04/2021</a:t>
             </a:fld>
             <a:endParaRPr lang="en-GB"/>
           </a:p>
@@ -420,7 +420,7 @@
           <a:p>
             <a:fld id="{BB86F1C3-4E0D-4EA1-AC40-508BD1BE2BEF}" type="datetimeFigureOut">
               <a:rPr lang="en-GB" smtClean="0"/>
-              <a:t>08/04/2021</a:t>
+              <a:t>16/04/2021</a:t>
             </a:fld>
             <a:endParaRPr lang="en-GB"/>
           </a:p>
@@ -600,7 +600,7 @@
           <a:p>
             <a:fld id="{BB86F1C3-4E0D-4EA1-AC40-508BD1BE2BEF}" type="datetimeFigureOut">
               <a:rPr lang="en-GB" smtClean="0"/>
-              <a:t>08/04/2021</a:t>
+              <a:t>16/04/2021</a:t>
             </a:fld>
             <a:endParaRPr lang="en-GB"/>
           </a:p>
@@ -770,7 +770,7 @@
           <a:p>
             <a:fld id="{BB86F1C3-4E0D-4EA1-AC40-508BD1BE2BEF}" type="datetimeFigureOut">
               <a:rPr lang="en-GB" smtClean="0"/>
-              <a:t>08/04/2021</a:t>
+              <a:t>16/04/2021</a:t>
             </a:fld>
             <a:endParaRPr lang="en-GB"/>
           </a:p>
@@ -1016,7 +1016,7 @@
           <a:p>
             <a:fld id="{BB86F1C3-4E0D-4EA1-AC40-508BD1BE2BEF}" type="datetimeFigureOut">
               <a:rPr lang="en-GB" smtClean="0"/>
-              <a:t>08/04/2021</a:t>
+              <a:t>16/04/2021</a:t>
             </a:fld>
             <a:endParaRPr lang="en-GB"/>
           </a:p>
@@ -1248,7 +1248,7 @@
           <a:p>
             <a:fld id="{BB86F1C3-4E0D-4EA1-AC40-508BD1BE2BEF}" type="datetimeFigureOut">
               <a:rPr lang="en-GB" smtClean="0"/>
-              <a:t>08/04/2021</a:t>
+              <a:t>16/04/2021</a:t>
             </a:fld>
             <a:endParaRPr lang="en-GB"/>
           </a:p>
@@ -1615,7 +1615,7 @@
           <a:p>
             <a:fld id="{BB86F1C3-4E0D-4EA1-AC40-508BD1BE2BEF}" type="datetimeFigureOut">
               <a:rPr lang="en-GB" smtClean="0"/>
-              <a:t>08/04/2021</a:t>
+              <a:t>16/04/2021</a:t>
             </a:fld>
             <a:endParaRPr lang="en-GB"/>
           </a:p>
@@ -1733,7 +1733,7 @@
           <a:p>
             <a:fld id="{BB86F1C3-4E0D-4EA1-AC40-508BD1BE2BEF}" type="datetimeFigureOut">
               <a:rPr lang="en-GB" smtClean="0"/>
-              <a:t>08/04/2021</a:t>
+              <a:t>16/04/2021</a:t>
             </a:fld>
             <a:endParaRPr lang="en-GB"/>
           </a:p>
@@ -1828,7 +1828,7 @@
           <a:p>
             <a:fld id="{BB86F1C3-4E0D-4EA1-AC40-508BD1BE2BEF}" type="datetimeFigureOut">
               <a:rPr lang="en-GB" smtClean="0"/>
-              <a:t>08/04/2021</a:t>
+              <a:t>16/04/2021</a:t>
             </a:fld>
             <a:endParaRPr lang="en-GB"/>
           </a:p>
@@ -2105,7 +2105,7 @@
           <a:p>
             <a:fld id="{BB86F1C3-4E0D-4EA1-AC40-508BD1BE2BEF}" type="datetimeFigureOut">
               <a:rPr lang="en-GB" smtClean="0"/>
-              <a:t>08/04/2021</a:t>
+              <a:t>16/04/2021</a:t>
             </a:fld>
             <a:endParaRPr lang="en-GB"/>
           </a:p>
@@ -2358,7 +2358,7 @@
           <a:p>
             <a:fld id="{BB86F1C3-4E0D-4EA1-AC40-508BD1BE2BEF}" type="datetimeFigureOut">
               <a:rPr lang="en-GB" smtClean="0"/>
-              <a:t>08/04/2021</a:t>
+              <a:t>16/04/2021</a:t>
             </a:fld>
             <a:endParaRPr lang="en-GB"/>
           </a:p>
@@ -2571,7 +2571,7 @@
           <a:p>
             <a:fld id="{BB86F1C3-4E0D-4EA1-AC40-508BD1BE2BEF}" type="datetimeFigureOut">
               <a:rPr lang="en-GB" smtClean="0"/>
-              <a:t>08/04/2021</a:t>
+              <a:t>16/04/2021</a:t>
             </a:fld>
             <a:endParaRPr lang="en-GB"/>
           </a:p>
@@ -8598,7 +8598,7 @@
         </p:nvSpPr>
         <p:spPr>
           <a:xfrm>
-            <a:off x="7392473" y="4997003"/>
+            <a:off x="7164542" y="4203959"/>
             <a:ext cx="3348507" cy="369332"/>
           </a:xfrm>
           <a:prstGeom prst="rect">
@@ -8615,6 +8615,41 @@
             <a:r>
               <a:rPr lang="en-GB" b="1" dirty="0"/>
               <a:t>REDD+</a:t>
+            </a:r>
+          </a:p>
+        </p:txBody>
+      </p:sp>
+      <p:sp>
+        <p:nvSpPr>
+          <p:cNvPr id="3" name="TextBox 2">
+            <a:extLst>
+              <a:ext uri="{FF2B5EF4-FFF2-40B4-BE49-F238E27FC236}">
+                <a16:creationId xmlns:a16="http://schemas.microsoft.com/office/drawing/2014/main" id="{2835304A-EB25-46CB-93D5-CAE8AAAA17A1}"/>
+              </a:ext>
+            </a:extLst>
+          </p:cNvPr>
+          <p:cNvSpPr txBox="1"/>
+          <p:nvPr/>
+        </p:nvSpPr>
+        <p:spPr>
+          <a:xfrm>
+            <a:off x="6185677" y="5075871"/>
+            <a:ext cx="4607660" cy="923330"/>
+          </a:xfrm>
+          <a:prstGeom prst="rect">
+            <a:avLst/>
+          </a:prstGeom>
+          <a:noFill/>
+        </p:spPr>
+        <p:txBody>
+          <a:bodyPr wrap="square" rtlCol="0">
+            <a:spAutoFit/>
+          </a:bodyPr>
+          <a:lstStyle/>
+          <a:p>
+            <a:r>
+              <a:rPr lang="en-GB" dirty="0"/>
+              <a:t>https://news.mongabay.com/2021/04/as-cop26-looms-and-tropical-deforestation-soars-redd-debate-roars-on/</a:t>
             </a:r>
           </a:p>
         </p:txBody>
